--- a/EXERCÍCIOS_aula_10.pptx
+++ b/EXERCÍCIOS_aula_10.pptx
@@ -24,7 +24,6 @@
     <p:sldId id="272" r:id="rId18"/>
     <p:sldId id="273" r:id="rId19"/>
     <p:sldId id="274" r:id="rId20"/>
-    <p:sldId id="275" r:id="rId21"/>
   </p:sldIdLst>
   <p:sldSz cx="9144000" cy="6858000" type="screen4x3"/>
   <p:notesSz cx="6858000" cy="9144000"/>
@@ -123,6 +122,22 @@
       </a:defRPr>
     </a:lvl9pPr>
   </p:defaultTextStyle>
+  <p:extLst>
+    <p:ext uri="{EFAFB233-063F-42B5-8137-9DF3F51BA10A}">
+      <p15:sldGuideLst xmlns:p15="http://schemas.microsoft.com/office/powerpoint/2012/main">
+        <p15:guide id="1" orient="horz" pos="2160">
+          <p15:clr>
+            <a:srgbClr val="A4A3A4"/>
+          </p15:clr>
+        </p15:guide>
+        <p15:guide id="2" pos="2880">
+          <p15:clr>
+            <a:srgbClr val="A4A3A4"/>
+          </p15:clr>
+        </p15:guide>
+      </p15:sldGuideLst>
+    </p:ext>
+  </p:extLst>
 </p:presentation>
 </file>
 
@@ -164,10 +179,9 @@
           <a:lstStyle/>
           <a:p>
             <a:r>
-              <a:rPr lang="pt-BR" smtClean="0"/>
+              <a:rPr lang="pt-BR"/>
               <a:t>Clique para editar o estilo do título mestre</a:t>
             </a:r>
-            <a:endParaRPr lang="pt-BR"/>
           </a:p>
         </p:txBody>
       </p:sp>
@@ -283,10 +297,9 @@
           </a:lstStyle>
           <a:p>
             <a:r>
-              <a:rPr lang="pt-BR" smtClean="0"/>
+              <a:rPr lang="pt-BR"/>
               <a:t>Clique para editar o estilo do subtítulo mestre</a:t>
             </a:r>
-            <a:endParaRPr lang="pt-BR"/>
           </a:p>
         </p:txBody>
       </p:sp>
@@ -307,7 +320,7 @@
           <a:p>
             <a:fld id="{7BBF1168-357D-4427-AF74-9A095D9EE5E0}" type="datetimeFigureOut">
               <a:rPr lang="pt-BR" smtClean="0"/>
-              <a:t>08/04/2022</a:t>
+              <a:t>21/10/2024</a:t>
             </a:fld>
             <a:endParaRPr lang="pt-BR"/>
           </a:p>
@@ -396,10 +409,9 @@
           <a:lstStyle/>
           <a:p>
             <a:r>
-              <a:rPr lang="pt-BR" smtClean="0"/>
+              <a:rPr lang="pt-BR"/>
               <a:t>Clique para editar o estilo do título mestre</a:t>
             </a:r>
-            <a:endParaRPr lang="pt-BR"/>
           </a:p>
         </p:txBody>
       </p:sp>
@@ -420,38 +432,37 @@
           <a:p>
             <a:pPr lvl="0"/>
             <a:r>
-              <a:rPr lang="pt-BR" smtClean="0"/>
+              <a:rPr lang="pt-BR"/>
               <a:t>Clique para editar os estilos do texto mestre</a:t>
             </a:r>
           </a:p>
           <a:p>
             <a:pPr lvl="1"/>
             <a:r>
-              <a:rPr lang="pt-BR" smtClean="0"/>
+              <a:rPr lang="pt-BR"/>
               <a:t>Segundo nível</a:t>
             </a:r>
           </a:p>
           <a:p>
             <a:pPr lvl="2"/>
             <a:r>
-              <a:rPr lang="pt-BR" smtClean="0"/>
+              <a:rPr lang="pt-BR"/>
               <a:t>Terceiro nível</a:t>
             </a:r>
           </a:p>
           <a:p>
             <a:pPr lvl="3"/>
             <a:r>
-              <a:rPr lang="pt-BR" smtClean="0"/>
+              <a:rPr lang="pt-BR"/>
               <a:t>Quarto nível</a:t>
             </a:r>
           </a:p>
           <a:p>
             <a:pPr lvl="4"/>
             <a:r>
-              <a:rPr lang="pt-BR" smtClean="0"/>
+              <a:rPr lang="pt-BR"/>
               <a:t>Quinto nível</a:t>
             </a:r>
-            <a:endParaRPr lang="pt-BR"/>
           </a:p>
         </p:txBody>
       </p:sp>
@@ -472,7 +483,7 @@
           <a:p>
             <a:fld id="{7BBF1168-357D-4427-AF74-9A095D9EE5E0}" type="datetimeFigureOut">
               <a:rPr lang="pt-BR" smtClean="0"/>
-              <a:t>08/04/2022</a:t>
+              <a:t>21/10/2024</a:t>
             </a:fld>
             <a:endParaRPr lang="pt-BR"/>
           </a:p>
@@ -566,10 +577,9 @@
           <a:lstStyle/>
           <a:p>
             <a:r>
-              <a:rPr lang="pt-BR" smtClean="0"/>
+              <a:rPr lang="pt-BR"/>
               <a:t>Clique para editar o estilo do título mestre</a:t>
             </a:r>
-            <a:endParaRPr lang="pt-BR"/>
           </a:p>
         </p:txBody>
       </p:sp>
@@ -595,38 +605,37 @@
           <a:p>
             <a:pPr lvl="0"/>
             <a:r>
-              <a:rPr lang="pt-BR" smtClean="0"/>
+              <a:rPr lang="pt-BR"/>
               <a:t>Clique para editar os estilos do texto mestre</a:t>
             </a:r>
           </a:p>
           <a:p>
             <a:pPr lvl="1"/>
             <a:r>
-              <a:rPr lang="pt-BR" smtClean="0"/>
+              <a:rPr lang="pt-BR"/>
               <a:t>Segundo nível</a:t>
             </a:r>
           </a:p>
           <a:p>
             <a:pPr lvl="2"/>
             <a:r>
-              <a:rPr lang="pt-BR" smtClean="0"/>
+              <a:rPr lang="pt-BR"/>
               <a:t>Terceiro nível</a:t>
             </a:r>
           </a:p>
           <a:p>
             <a:pPr lvl="3"/>
             <a:r>
-              <a:rPr lang="pt-BR" smtClean="0"/>
+              <a:rPr lang="pt-BR"/>
               <a:t>Quarto nível</a:t>
             </a:r>
           </a:p>
           <a:p>
             <a:pPr lvl="4"/>
             <a:r>
-              <a:rPr lang="pt-BR" smtClean="0"/>
+              <a:rPr lang="pt-BR"/>
               <a:t>Quinto nível</a:t>
             </a:r>
-            <a:endParaRPr lang="pt-BR"/>
           </a:p>
         </p:txBody>
       </p:sp>
@@ -647,7 +656,7 @@
           <a:p>
             <a:fld id="{7BBF1168-357D-4427-AF74-9A095D9EE5E0}" type="datetimeFigureOut">
               <a:rPr lang="pt-BR" smtClean="0"/>
-              <a:t>08/04/2022</a:t>
+              <a:t>21/10/2024</a:t>
             </a:fld>
             <a:endParaRPr lang="pt-BR"/>
           </a:p>
@@ -736,10 +745,9 @@
           <a:lstStyle/>
           <a:p>
             <a:r>
-              <a:rPr lang="pt-BR" smtClean="0"/>
+              <a:rPr lang="pt-BR"/>
               <a:t>Clique para editar o estilo do título mestre</a:t>
             </a:r>
-            <a:endParaRPr lang="pt-BR"/>
           </a:p>
         </p:txBody>
       </p:sp>
@@ -760,38 +768,37 @@
           <a:p>
             <a:pPr lvl="0"/>
             <a:r>
-              <a:rPr lang="pt-BR" smtClean="0"/>
+              <a:rPr lang="pt-BR"/>
               <a:t>Clique para editar os estilos do texto mestre</a:t>
             </a:r>
           </a:p>
           <a:p>
             <a:pPr lvl="1"/>
             <a:r>
-              <a:rPr lang="pt-BR" smtClean="0"/>
+              <a:rPr lang="pt-BR"/>
               <a:t>Segundo nível</a:t>
             </a:r>
           </a:p>
           <a:p>
             <a:pPr lvl="2"/>
             <a:r>
-              <a:rPr lang="pt-BR" smtClean="0"/>
+              <a:rPr lang="pt-BR"/>
               <a:t>Terceiro nível</a:t>
             </a:r>
           </a:p>
           <a:p>
             <a:pPr lvl="3"/>
             <a:r>
-              <a:rPr lang="pt-BR" smtClean="0"/>
+              <a:rPr lang="pt-BR"/>
               <a:t>Quarto nível</a:t>
             </a:r>
           </a:p>
           <a:p>
             <a:pPr lvl="4"/>
             <a:r>
-              <a:rPr lang="pt-BR" smtClean="0"/>
+              <a:rPr lang="pt-BR"/>
               <a:t>Quinto nível</a:t>
             </a:r>
-            <a:endParaRPr lang="pt-BR"/>
           </a:p>
         </p:txBody>
       </p:sp>
@@ -812,7 +819,7 @@
           <a:p>
             <a:fld id="{7BBF1168-357D-4427-AF74-9A095D9EE5E0}" type="datetimeFigureOut">
               <a:rPr lang="pt-BR" smtClean="0"/>
-              <a:t>08/04/2022</a:t>
+              <a:t>21/10/2024</a:t>
             </a:fld>
             <a:endParaRPr lang="pt-BR"/>
           </a:p>
@@ -910,10 +917,9 @@
           </a:lstStyle>
           <a:p>
             <a:r>
-              <a:rPr lang="pt-BR" smtClean="0"/>
+              <a:rPr lang="pt-BR"/>
               <a:t>Clique para editar o estilo do título mestre</a:t>
             </a:r>
-            <a:endParaRPr lang="pt-BR"/>
           </a:p>
         </p:txBody>
       </p:sp>
@@ -1030,7 +1036,7 @@
           <a:p>
             <a:pPr lvl="0"/>
             <a:r>
-              <a:rPr lang="pt-BR" smtClean="0"/>
+              <a:rPr lang="pt-BR"/>
               <a:t>Clique para editar os estilos do texto mestre</a:t>
             </a:r>
           </a:p>
@@ -1053,7 +1059,7 @@
           <a:p>
             <a:fld id="{7BBF1168-357D-4427-AF74-9A095D9EE5E0}" type="datetimeFigureOut">
               <a:rPr lang="pt-BR" smtClean="0"/>
-              <a:t>08/04/2022</a:t>
+              <a:t>21/10/2024</a:t>
             </a:fld>
             <a:endParaRPr lang="pt-BR"/>
           </a:p>
@@ -1142,10 +1148,9 @@
           <a:lstStyle/>
           <a:p>
             <a:r>
-              <a:rPr lang="pt-BR" smtClean="0"/>
+              <a:rPr lang="pt-BR"/>
               <a:t>Clique para editar o estilo do título mestre</a:t>
             </a:r>
-            <a:endParaRPr lang="pt-BR"/>
           </a:p>
         </p:txBody>
       </p:sp>
@@ -1199,38 +1204,37 @@
           <a:p>
             <a:pPr lvl="0"/>
             <a:r>
-              <a:rPr lang="pt-BR" smtClean="0"/>
+              <a:rPr lang="pt-BR"/>
               <a:t>Clique para editar os estilos do texto mestre</a:t>
             </a:r>
           </a:p>
           <a:p>
             <a:pPr lvl="1"/>
             <a:r>
-              <a:rPr lang="pt-BR" smtClean="0"/>
+              <a:rPr lang="pt-BR"/>
               <a:t>Segundo nível</a:t>
             </a:r>
           </a:p>
           <a:p>
             <a:pPr lvl="2"/>
             <a:r>
-              <a:rPr lang="pt-BR" smtClean="0"/>
+              <a:rPr lang="pt-BR"/>
               <a:t>Terceiro nível</a:t>
             </a:r>
           </a:p>
           <a:p>
             <a:pPr lvl="3"/>
             <a:r>
-              <a:rPr lang="pt-BR" smtClean="0"/>
+              <a:rPr lang="pt-BR"/>
               <a:t>Quarto nível</a:t>
             </a:r>
           </a:p>
           <a:p>
             <a:pPr lvl="4"/>
             <a:r>
-              <a:rPr lang="pt-BR" smtClean="0"/>
+              <a:rPr lang="pt-BR"/>
               <a:t>Quinto nível</a:t>
             </a:r>
-            <a:endParaRPr lang="pt-BR"/>
           </a:p>
         </p:txBody>
       </p:sp>
@@ -1284,38 +1288,37 @@
           <a:p>
             <a:pPr lvl="0"/>
             <a:r>
-              <a:rPr lang="pt-BR" smtClean="0"/>
+              <a:rPr lang="pt-BR"/>
               <a:t>Clique para editar os estilos do texto mestre</a:t>
             </a:r>
           </a:p>
           <a:p>
             <a:pPr lvl="1"/>
             <a:r>
-              <a:rPr lang="pt-BR" smtClean="0"/>
+              <a:rPr lang="pt-BR"/>
               <a:t>Segundo nível</a:t>
             </a:r>
           </a:p>
           <a:p>
             <a:pPr lvl="2"/>
             <a:r>
-              <a:rPr lang="pt-BR" smtClean="0"/>
+              <a:rPr lang="pt-BR"/>
               <a:t>Terceiro nível</a:t>
             </a:r>
           </a:p>
           <a:p>
             <a:pPr lvl="3"/>
             <a:r>
-              <a:rPr lang="pt-BR" smtClean="0"/>
+              <a:rPr lang="pt-BR"/>
               <a:t>Quarto nível</a:t>
             </a:r>
           </a:p>
           <a:p>
             <a:pPr lvl="4"/>
             <a:r>
-              <a:rPr lang="pt-BR" smtClean="0"/>
+              <a:rPr lang="pt-BR"/>
               <a:t>Quinto nível</a:t>
             </a:r>
-            <a:endParaRPr lang="pt-BR"/>
           </a:p>
         </p:txBody>
       </p:sp>
@@ -1336,7 +1339,7 @@
           <a:p>
             <a:fld id="{7BBF1168-357D-4427-AF74-9A095D9EE5E0}" type="datetimeFigureOut">
               <a:rPr lang="pt-BR" smtClean="0"/>
-              <a:t>08/04/2022</a:t>
+              <a:t>21/10/2024</a:t>
             </a:fld>
             <a:endParaRPr lang="pt-BR"/>
           </a:p>
@@ -1429,10 +1432,9 @@
           </a:lstStyle>
           <a:p>
             <a:r>
-              <a:rPr lang="pt-BR" smtClean="0"/>
+              <a:rPr lang="pt-BR"/>
               <a:t>Clique para editar o estilo do título mestre</a:t>
             </a:r>
-            <a:endParaRPr lang="pt-BR"/>
           </a:p>
         </p:txBody>
       </p:sp>
@@ -1495,7 +1497,7 @@
           <a:p>
             <a:pPr lvl="0"/>
             <a:r>
-              <a:rPr lang="pt-BR" smtClean="0"/>
+              <a:rPr lang="pt-BR"/>
               <a:t>Clique para editar os estilos do texto mestre</a:t>
             </a:r>
           </a:p>
@@ -1551,38 +1553,37 @@
           <a:p>
             <a:pPr lvl="0"/>
             <a:r>
-              <a:rPr lang="pt-BR" smtClean="0"/>
+              <a:rPr lang="pt-BR"/>
               <a:t>Clique para editar os estilos do texto mestre</a:t>
             </a:r>
           </a:p>
           <a:p>
             <a:pPr lvl="1"/>
             <a:r>
-              <a:rPr lang="pt-BR" smtClean="0"/>
+              <a:rPr lang="pt-BR"/>
               <a:t>Segundo nível</a:t>
             </a:r>
           </a:p>
           <a:p>
             <a:pPr lvl="2"/>
             <a:r>
-              <a:rPr lang="pt-BR" smtClean="0"/>
+              <a:rPr lang="pt-BR"/>
               <a:t>Terceiro nível</a:t>
             </a:r>
           </a:p>
           <a:p>
             <a:pPr lvl="3"/>
             <a:r>
-              <a:rPr lang="pt-BR" smtClean="0"/>
+              <a:rPr lang="pt-BR"/>
               <a:t>Quarto nível</a:t>
             </a:r>
           </a:p>
           <a:p>
             <a:pPr lvl="4"/>
             <a:r>
-              <a:rPr lang="pt-BR" smtClean="0"/>
+              <a:rPr lang="pt-BR"/>
               <a:t>Quinto nível</a:t>
             </a:r>
-            <a:endParaRPr lang="pt-BR"/>
           </a:p>
         </p:txBody>
       </p:sp>
@@ -1645,7 +1646,7 @@
           <a:p>
             <a:pPr lvl="0"/>
             <a:r>
-              <a:rPr lang="pt-BR" smtClean="0"/>
+              <a:rPr lang="pt-BR"/>
               <a:t>Clique para editar os estilos do texto mestre</a:t>
             </a:r>
           </a:p>
@@ -1701,38 +1702,37 @@
           <a:p>
             <a:pPr lvl="0"/>
             <a:r>
-              <a:rPr lang="pt-BR" smtClean="0"/>
+              <a:rPr lang="pt-BR"/>
               <a:t>Clique para editar os estilos do texto mestre</a:t>
             </a:r>
           </a:p>
           <a:p>
             <a:pPr lvl="1"/>
             <a:r>
-              <a:rPr lang="pt-BR" smtClean="0"/>
+              <a:rPr lang="pt-BR"/>
               <a:t>Segundo nível</a:t>
             </a:r>
           </a:p>
           <a:p>
             <a:pPr lvl="2"/>
             <a:r>
-              <a:rPr lang="pt-BR" smtClean="0"/>
+              <a:rPr lang="pt-BR"/>
               <a:t>Terceiro nível</a:t>
             </a:r>
           </a:p>
           <a:p>
             <a:pPr lvl="3"/>
             <a:r>
-              <a:rPr lang="pt-BR" smtClean="0"/>
+              <a:rPr lang="pt-BR"/>
               <a:t>Quarto nível</a:t>
             </a:r>
           </a:p>
           <a:p>
             <a:pPr lvl="4"/>
             <a:r>
-              <a:rPr lang="pt-BR" smtClean="0"/>
+              <a:rPr lang="pt-BR"/>
               <a:t>Quinto nível</a:t>
             </a:r>
-            <a:endParaRPr lang="pt-BR"/>
           </a:p>
         </p:txBody>
       </p:sp>
@@ -1753,7 +1753,7 @@
           <a:p>
             <a:fld id="{7BBF1168-357D-4427-AF74-9A095D9EE5E0}" type="datetimeFigureOut">
               <a:rPr lang="pt-BR" smtClean="0"/>
-              <a:t>08/04/2022</a:t>
+              <a:t>21/10/2024</a:t>
             </a:fld>
             <a:endParaRPr lang="pt-BR"/>
           </a:p>
@@ -1842,10 +1842,9 @@
           <a:lstStyle/>
           <a:p>
             <a:r>
-              <a:rPr lang="pt-BR" smtClean="0"/>
+              <a:rPr lang="pt-BR"/>
               <a:t>Clique para editar o estilo do título mestre</a:t>
             </a:r>
-            <a:endParaRPr lang="pt-BR"/>
           </a:p>
         </p:txBody>
       </p:sp>
@@ -1866,7 +1865,7 @@
           <a:p>
             <a:fld id="{7BBF1168-357D-4427-AF74-9A095D9EE5E0}" type="datetimeFigureOut">
               <a:rPr lang="pt-BR" smtClean="0"/>
-              <a:t>08/04/2022</a:t>
+              <a:t>21/10/2024</a:t>
             </a:fld>
             <a:endParaRPr lang="pt-BR"/>
           </a:p>
@@ -1956,7 +1955,7 @@
           <a:p>
             <a:fld id="{7BBF1168-357D-4427-AF74-9A095D9EE5E0}" type="datetimeFigureOut">
               <a:rPr lang="pt-BR" smtClean="0"/>
-              <a:t>08/04/2022</a:t>
+              <a:t>21/10/2024</a:t>
             </a:fld>
             <a:endParaRPr lang="pt-BR"/>
           </a:p>
@@ -2054,10 +2053,9 @@
           </a:lstStyle>
           <a:p>
             <a:r>
-              <a:rPr lang="pt-BR" smtClean="0"/>
+              <a:rPr lang="pt-BR"/>
               <a:t>Clique para editar o estilo do título mestre</a:t>
             </a:r>
-            <a:endParaRPr lang="pt-BR"/>
           </a:p>
         </p:txBody>
       </p:sp>
@@ -2111,38 +2109,37 @@
           <a:p>
             <a:pPr lvl="0"/>
             <a:r>
-              <a:rPr lang="pt-BR" smtClean="0"/>
+              <a:rPr lang="pt-BR"/>
               <a:t>Clique para editar os estilos do texto mestre</a:t>
             </a:r>
           </a:p>
           <a:p>
             <a:pPr lvl="1"/>
             <a:r>
-              <a:rPr lang="pt-BR" smtClean="0"/>
+              <a:rPr lang="pt-BR"/>
               <a:t>Segundo nível</a:t>
             </a:r>
           </a:p>
           <a:p>
             <a:pPr lvl="2"/>
             <a:r>
-              <a:rPr lang="pt-BR" smtClean="0"/>
+              <a:rPr lang="pt-BR"/>
               <a:t>Terceiro nível</a:t>
             </a:r>
           </a:p>
           <a:p>
             <a:pPr lvl="3"/>
             <a:r>
-              <a:rPr lang="pt-BR" smtClean="0"/>
+              <a:rPr lang="pt-BR"/>
               <a:t>Quarto nível</a:t>
             </a:r>
           </a:p>
           <a:p>
             <a:pPr lvl="4"/>
             <a:r>
-              <a:rPr lang="pt-BR" smtClean="0"/>
+              <a:rPr lang="pt-BR"/>
               <a:t>Quinto nível</a:t>
             </a:r>
-            <a:endParaRPr lang="pt-BR"/>
           </a:p>
         </p:txBody>
       </p:sp>
@@ -2205,7 +2202,7 @@
           <a:p>
             <a:pPr lvl="0"/>
             <a:r>
-              <a:rPr lang="pt-BR" smtClean="0"/>
+              <a:rPr lang="pt-BR"/>
               <a:t>Clique para editar os estilos do texto mestre</a:t>
             </a:r>
           </a:p>
@@ -2228,7 +2225,7 @@
           <a:p>
             <a:fld id="{7BBF1168-357D-4427-AF74-9A095D9EE5E0}" type="datetimeFigureOut">
               <a:rPr lang="pt-BR" smtClean="0"/>
-              <a:t>08/04/2022</a:t>
+              <a:t>21/10/2024</a:t>
             </a:fld>
             <a:endParaRPr lang="pt-BR"/>
           </a:p>
@@ -2326,10 +2323,9 @@
           </a:lstStyle>
           <a:p>
             <a:r>
-              <a:rPr lang="pt-BR" smtClean="0"/>
+              <a:rPr lang="pt-BR"/>
               <a:t>Clique para editar o estilo do título mestre</a:t>
             </a:r>
-            <a:endParaRPr lang="pt-BR"/>
           </a:p>
         </p:txBody>
       </p:sp>
@@ -2453,7 +2449,7 @@
           <a:p>
             <a:pPr lvl="0"/>
             <a:r>
-              <a:rPr lang="pt-BR" smtClean="0"/>
+              <a:rPr lang="pt-BR"/>
               <a:t>Clique para editar os estilos do texto mestre</a:t>
             </a:r>
           </a:p>
@@ -2476,7 +2472,7 @@
           <a:p>
             <a:fld id="{7BBF1168-357D-4427-AF74-9A095D9EE5E0}" type="datetimeFigureOut">
               <a:rPr lang="pt-BR" smtClean="0"/>
-              <a:t>08/04/2022</a:t>
+              <a:t>21/10/2024</a:t>
             </a:fld>
             <a:endParaRPr lang="pt-BR"/>
           </a:p>
@@ -2580,10 +2576,9 @@
           <a:lstStyle/>
           <a:p>
             <a:r>
-              <a:rPr lang="pt-BR" smtClean="0"/>
+              <a:rPr lang="pt-BR"/>
               <a:t>Clique para editar o estilo do título mestre</a:t>
             </a:r>
-            <a:endParaRPr lang="pt-BR"/>
           </a:p>
         </p:txBody>
       </p:sp>
@@ -2614,38 +2609,37 @@
           <a:p>
             <a:pPr lvl="0"/>
             <a:r>
-              <a:rPr lang="pt-BR" smtClean="0"/>
+              <a:rPr lang="pt-BR"/>
               <a:t>Clique para editar os estilos do texto mestre</a:t>
             </a:r>
           </a:p>
           <a:p>
             <a:pPr lvl="1"/>
             <a:r>
-              <a:rPr lang="pt-BR" smtClean="0"/>
+              <a:rPr lang="pt-BR"/>
               <a:t>Segundo nível</a:t>
             </a:r>
           </a:p>
           <a:p>
             <a:pPr lvl="2"/>
             <a:r>
-              <a:rPr lang="pt-BR" smtClean="0"/>
+              <a:rPr lang="pt-BR"/>
               <a:t>Terceiro nível</a:t>
             </a:r>
           </a:p>
           <a:p>
             <a:pPr lvl="3"/>
             <a:r>
-              <a:rPr lang="pt-BR" smtClean="0"/>
+              <a:rPr lang="pt-BR"/>
               <a:t>Quarto nível</a:t>
             </a:r>
           </a:p>
           <a:p>
             <a:pPr lvl="4"/>
             <a:r>
-              <a:rPr lang="pt-BR" smtClean="0"/>
+              <a:rPr lang="pt-BR"/>
               <a:t>Quinto nível</a:t>
             </a:r>
-            <a:endParaRPr lang="pt-BR"/>
           </a:p>
         </p:txBody>
       </p:sp>
@@ -2684,7 +2678,7 @@
           <a:p>
             <a:fld id="{7BBF1168-357D-4427-AF74-9A095D9EE5E0}" type="datetimeFigureOut">
               <a:rPr lang="pt-BR" smtClean="0"/>
-              <a:t>08/04/2022</a:t>
+              <a:t>21/10/2024</a:t>
             </a:fld>
             <a:endParaRPr lang="pt-BR"/>
           </a:p>
@@ -3070,10 +3064,9 @@
           <a:lstStyle/>
           <a:p>
             <a:r>
-              <a:rPr lang="pt-BR" dirty="0" smtClean="0"/>
+              <a:rPr lang="pt-BR" dirty="0"/>
               <a:t>EXERCÍCIOS</a:t>
             </a:r>
-            <a:endParaRPr lang="pt-BR" dirty="0"/>
           </a:p>
         </p:txBody>
       </p:sp>
@@ -3118,10 +3111,9 @@
           <a:lstStyle/>
           <a:p>
             <a:r>
-              <a:rPr lang="pt-BR" dirty="0" smtClean="0"/>
+              <a:rPr lang="pt-BR" dirty="0"/>
               <a:t>EXERCÍCIOS</a:t>
             </a:r>
-            <a:endParaRPr lang="pt-BR" dirty="0"/>
           </a:p>
         </p:txBody>
       </p:sp>
@@ -3146,51 +3138,11 @@
               <a:buNone/>
             </a:pPr>
             <a:r>
-              <a:rPr lang="pt-BR" dirty="0" smtClean="0"/>
-              <a:t>08) </a:t>
-            </a:r>
-            <a:r>
-              <a:rPr lang="pt-BR" dirty="0"/>
-              <a:t>Uma empresa de vendas de </a:t>
-            </a:r>
-            <a:r>
-              <a:rPr lang="pt-BR" dirty="0" smtClean="0"/>
-              <a:t>Celulares </a:t>
-            </a:r>
-            <a:r>
-              <a:rPr lang="pt-BR" dirty="0"/>
-              <a:t>paga a seu vendedor um fixo de </a:t>
-            </a:r>
-            <a:r>
-              <a:rPr lang="pt-BR" dirty="0" smtClean="0"/>
-              <a:t>R$1.200,00 </a:t>
-            </a:r>
-            <a:r>
-              <a:rPr lang="pt-BR" dirty="0"/>
-              <a:t>reais por mês, mais uma </a:t>
-            </a:r>
-            <a:r>
-              <a:rPr lang="pt-BR" dirty="0" smtClean="0"/>
-              <a:t>comissão </a:t>
-            </a:r>
-            <a:r>
-              <a:rPr lang="pt-BR" dirty="0"/>
-              <a:t>de 15% pelo seu valor de vendas no </a:t>
-            </a:r>
-            <a:r>
-              <a:rPr lang="pt-BR" dirty="0" smtClean="0"/>
-              <a:t>mês. Faça </a:t>
-            </a:r>
-            <a:r>
-              <a:rPr lang="pt-BR" dirty="0"/>
-              <a:t>um algoritmo que leia o valor da venda e determine o salário total do funcionário.</a:t>
-            </a:r>
-            <a:r>
-              <a:rPr lang="pt-BR" dirty="0" smtClean="0"/>
-              <a:t/>
+              <a:rPr lang="pt-BR" dirty="0"/>
+              <a:t>08) Uma empresa de vendas de Celulares paga a seu vendedor um fixo de R$1.200,00 reais por mês, mais uma comissão de 15% pelo seu valor de vendas no mês. Faça um algoritmo que leia o valor da venda e determine o salário total do funcionário.</a:t>
             </a:r>
             <a:br>
-              <a:rPr lang="pt-BR" dirty="0" smtClean="0"/>
+              <a:rPr lang="pt-BR" dirty="0"/>
             </a:br>
             <a:r>
               <a:rPr lang="pt-BR" dirty="0"/>
@@ -3240,10 +3192,9 @@
           <a:lstStyle/>
           <a:p>
             <a:r>
-              <a:rPr lang="pt-BR" dirty="0" smtClean="0"/>
+              <a:rPr lang="pt-BR" dirty="0"/>
               <a:t>EXERCÍCIOS</a:t>
             </a:r>
-            <a:endParaRPr lang="pt-BR" dirty="0"/>
           </a:p>
         </p:txBody>
       </p:sp>
@@ -3268,10 +3219,9 @@
               <a:buNone/>
             </a:pPr>
             <a:r>
-              <a:rPr lang="pt-BR" dirty="0" smtClean="0"/>
-              <a:t>08)Sabe-se que Paulo deseja entrar em um consórcio de R$ 280.000,00 Reais, entretanto sabendo que os juros são de 12% ao ano e serão 65 parcelas em meses fixos . Paulo deu de entrada R$ 2.500,00. Faça um algoritmo que calcule o valor final que Paulo irá pagar nesse consórcio ao final dos 65 meses.</a:t>
-            </a:r>
-            <a:endParaRPr lang="pt-BR" dirty="0"/>
+              <a:rPr lang="pt-BR" dirty="0"/>
+              <a:t>09)Sabe-se que Paulo deseja entrar em um consórcio de R$ 280.000,00 Reais, entretanto sabendo que os juros são de 12% ao ano e serão 65 parcelas em meses fixos . Paulo deu de entrada R$ 2.500,00. Faça um algoritmo que calcule o valor final que Paulo irá pagar nesse consórcio ao final dos 65 meses.</a:t>
+            </a:r>
           </a:p>
         </p:txBody>
       </p:sp>
@@ -3316,10 +3266,9 @@
           <a:lstStyle/>
           <a:p>
             <a:r>
-              <a:rPr lang="pt-BR" dirty="0" smtClean="0"/>
+              <a:rPr lang="pt-BR" dirty="0"/>
               <a:t>EXERCÍCIOS</a:t>
             </a:r>
-            <a:endParaRPr lang="pt-BR" dirty="0"/>
           </a:p>
         </p:txBody>
       </p:sp>
@@ -3344,12 +3293,8 @@
               <a:buNone/>
             </a:pPr>
             <a:r>
-              <a:rPr lang="pt-BR" dirty="0" smtClean="0"/>
-              <a:t>09)</a:t>
-            </a:r>
-            <a:r>
-              <a:rPr lang="pt-BR" dirty="0"/>
-              <a:t> Faça um algoritmo que leia a idade de uma pessoa expressa em anos, meses e dias e escreva a idade dessa pessoa expressa apenas em dias. Considerar ano com 365 dias e mês com 30 dias.</a:t>
+              <a:rPr lang="pt-BR" dirty="0"/>
+              <a:t>10) Faça um algoritmo que leia a idade de uma pessoa expressa em anos, meses e dias e escreva a idade dessa pessoa expressa apenas em dias. Considerar ano com 365 dias e mês com 30 dias.</a:t>
             </a:r>
           </a:p>
         </p:txBody>
@@ -3395,10 +3340,9 @@
           <a:lstStyle/>
           <a:p>
             <a:r>
-              <a:rPr lang="pt-BR" dirty="0" smtClean="0"/>
+              <a:rPr lang="pt-BR" dirty="0"/>
               <a:t>EXERCÍCIOS</a:t>
             </a:r>
-            <a:endParaRPr lang="pt-BR" dirty="0"/>
           </a:p>
         </p:txBody>
       </p:sp>
@@ -3423,10 +3367,9 @@
               <a:buNone/>
             </a:pPr>
             <a:r>
-              <a:rPr lang="pt-BR" dirty="0" smtClean="0"/>
-              <a:t>10) Faça um algoritmo que transforme uma velocidade fornecida em m/s pelo usuário para Km/h. Para tal, multiplique o valor em m/s por 3,6.</a:t>
-            </a:r>
-            <a:endParaRPr lang="pt-BR" dirty="0"/>
+              <a:rPr lang="pt-BR" dirty="0"/>
+              <a:t>11) Faça um algoritmo que transforme uma velocidade fornecida em m/s pelo usuário para Km/h. Para tal, multiplique o valor em m/s por 3,6.</a:t>
+            </a:r>
           </a:p>
         </p:txBody>
       </p:sp>
@@ -3471,10 +3414,9 @@
           <a:lstStyle/>
           <a:p>
             <a:r>
-              <a:rPr lang="pt-BR" dirty="0" smtClean="0"/>
+              <a:rPr lang="pt-BR" dirty="0"/>
               <a:t>EXERCÍCIOS</a:t>
             </a:r>
-            <a:endParaRPr lang="pt-BR" dirty="0"/>
           </a:p>
         </p:txBody>
       </p:sp>
@@ -3499,10 +3441,9 @@
               <a:buNone/>
             </a:pPr>
             <a:r>
-              <a:rPr lang="pt-BR" dirty="0" smtClean="0"/>
-              <a:t>11)  Escreva um programa que calcula o desconto previdenciário de um funcionário. Dado um salário, o programa deve retornar o valor do desconto proporcional ao mesmo. O cálculo segue a regra: o desconto é de 11% do valor do salário, entretanto, o valor máximo de desconto é 334,29, o que seja menor. </a:t>
-            </a:r>
-            <a:endParaRPr lang="pt-BR" dirty="0"/>
+              <a:rPr lang="pt-BR" dirty="0"/>
+              <a:t>12)  Escreva um programa que calcula o desconto previdenciário de um funcionário. Dado um salário, o programa deve retornar o valor do desconto proporcional ao mesmo. O cálculo segue a regra: o desconto é de 11% do valor do salário, entretanto, o valor máximo de desconto é 334,29, o que seja menor. </a:t>
+            </a:r>
           </a:p>
         </p:txBody>
       </p:sp>
@@ -3547,10 +3488,9 @@
           <a:lstStyle/>
           <a:p>
             <a:r>
-              <a:rPr lang="pt-BR" dirty="0" smtClean="0"/>
+              <a:rPr lang="pt-BR" dirty="0"/>
               <a:t>EXERCÍCIOS</a:t>
             </a:r>
-            <a:endParaRPr lang="pt-BR" dirty="0"/>
           </a:p>
         </p:txBody>
       </p:sp>
@@ -3575,26 +3515,25 @@
               <a:buNone/>
             </a:pPr>
             <a:r>
-              <a:rPr lang="pt-BR" dirty="0" smtClean="0"/>
-              <a:t>12) Escreva um programa que leia um </a:t>
-            </a:r>
-            <a:r>
-              <a:rPr lang="pt-BR" dirty="0" err="1" smtClean="0"/>
+              <a:rPr lang="pt-BR" dirty="0"/>
+              <a:t>13) Escreva um programa que leia um </a:t>
+            </a:r>
+            <a:r>
+              <a:rPr lang="pt-BR" dirty="0" err="1"/>
               <a:t>caracter</a:t>
             </a:r>
             <a:r>
-              <a:rPr lang="pt-BR" dirty="0" smtClean="0"/>
+              <a:rPr lang="pt-BR" dirty="0"/>
               <a:t> e diga se ele é uma vogal, consoante, número ou um símbolo (qualquer outro </a:t>
             </a:r>
             <a:r>
-              <a:rPr lang="pt-BR" dirty="0" err="1" smtClean="0"/>
+              <a:rPr lang="pt-BR" dirty="0" err="1"/>
               <a:t>caracter</a:t>
             </a:r>
             <a:r>
-              <a:rPr lang="pt-BR" dirty="0" smtClean="0"/>
+              <a:rPr lang="pt-BR" dirty="0"/>
               <a:t>, que não uma letra ou número). </a:t>
             </a:r>
-            <a:endParaRPr lang="pt-BR" dirty="0"/>
           </a:p>
         </p:txBody>
       </p:sp>
@@ -3639,10 +3578,9 @@
           <a:lstStyle/>
           <a:p>
             <a:r>
-              <a:rPr lang="pt-BR" dirty="0" smtClean="0"/>
+              <a:rPr lang="pt-BR" dirty="0"/>
               <a:t>EXERCÍCIOS</a:t>
             </a:r>
-            <a:endParaRPr lang="pt-BR" dirty="0"/>
           </a:p>
         </p:txBody>
       </p:sp>
@@ -3667,10 +3605,9 @@
               <a:buNone/>
             </a:pPr>
             <a:r>
-              <a:rPr lang="pt-BR" dirty="0" smtClean="0"/>
-              <a:t>13) Uma financeira usa o seguinte critério para conceder empréstimos: o valor total do empréstimo deve ser até dez vezes o valor da renda mensal do solicitante e o valor da prestação deve ser no máximo 30% da renda mensal do solicitante. Escreva um programa que leia a renda mensal de um solicitante, o valor total do empréstimo solicitado e o número de prestações que o solicitante deseja pagar e informe se o empréstimo pode ou não ser concedido.</a:t>
-            </a:r>
-            <a:endParaRPr lang="pt-BR" dirty="0"/>
+              <a:rPr lang="pt-BR" dirty="0"/>
+              <a:t>14) Uma financeira usa o seguinte critério para conceder empréstimos: o valor total do empréstimo deve ser até dez vezes o valor da renda mensal do solicitante e o valor da prestação deve ser no máximo 30% da renda mensal do solicitante. Escreva um programa que leia a renda mensal de um solicitante, o valor total do empréstimo solicitado e o número de prestações que o solicitante deseja pagar e informe se o empréstimo pode ou não ser concedido.</a:t>
+            </a:r>
           </a:p>
         </p:txBody>
       </p:sp>
@@ -3715,10 +3652,9 @@
           <a:lstStyle/>
           <a:p>
             <a:r>
-              <a:rPr lang="pt-BR" dirty="0" smtClean="0"/>
+              <a:rPr lang="pt-BR" dirty="0"/>
               <a:t>EXERCÍCIOS</a:t>
             </a:r>
-            <a:endParaRPr lang="pt-BR" dirty="0"/>
           </a:p>
         </p:txBody>
       </p:sp>
@@ -3743,10 +3679,9 @@
               <a:buNone/>
             </a:pPr>
             <a:r>
-              <a:rPr lang="pt-BR" dirty="0" smtClean="0"/>
-              <a:t>14) Dado um país A, com 5.000.000 de habitantes e uma taxa de natalidade de 3% ao ano, e um país B com 7.000.000 de habitantes e uma taxa de natalidade de 2% ao ano, escreva um programa, que imprima o tempo necessário para que a população do país A ultrapasse a população do país B.</a:t>
-            </a:r>
-            <a:endParaRPr lang="pt-BR" dirty="0"/>
+              <a:rPr lang="pt-BR" dirty="0"/>
+              <a:t>15) Dado um país A, com 5.000.000 de habitantes e uma taxa de natalidade de 3% ao ano, e um país B com 7.000.000 de habitantes e uma taxa de natalidade de 2% ao ano, escreva um programa, que imprima o tempo necessário para que a população do país A ultrapasse a população do país B.</a:t>
+            </a:r>
           </a:p>
         </p:txBody>
       </p:sp>
@@ -3791,10 +3726,9 @@
           <a:lstStyle/>
           <a:p>
             <a:r>
-              <a:rPr lang="pt-BR" dirty="0" smtClean="0"/>
+              <a:rPr lang="pt-BR" dirty="0"/>
               <a:t>EXERCÍCIOS</a:t>
             </a:r>
-            <a:endParaRPr lang="pt-BR" dirty="0"/>
           </a:p>
         </p:txBody>
       </p:sp>
@@ -3819,10 +3753,9 @@
               <a:buNone/>
             </a:pPr>
             <a:r>
-              <a:rPr lang="pt-BR" dirty="0" smtClean="0"/>
-              <a:t>15) Escreva um programa que leia o índice pluviométrico de cada dia do mês de junho e informe o dia que mais choveu, o dia que menos choveu e as médias pluviométricas de cada uma das duas quinzenas.</a:t>
-            </a:r>
-            <a:endParaRPr lang="pt-BR" dirty="0"/>
+              <a:rPr lang="pt-BR" dirty="0"/>
+              <a:t>16) Escreva um programa que leia o índice pluviométrico de cada dia do mês de junho e informe o dia que mais choveu, o dia que menos choveu e as médias pluviométricas de cada uma das duas quinzenas.</a:t>
+            </a:r>
           </a:p>
         </p:txBody>
       </p:sp>
@@ -3867,10 +3800,9 @@
           <a:lstStyle/>
           <a:p>
             <a:r>
-              <a:rPr lang="pt-BR" dirty="0" smtClean="0"/>
+              <a:rPr lang="pt-BR" dirty="0"/>
               <a:t>EXERCÍCIOS</a:t>
             </a:r>
-            <a:endParaRPr lang="pt-BR" dirty="0"/>
           </a:p>
         </p:txBody>
       </p:sp>
@@ -3895,10 +3827,9 @@
               <a:buNone/>
             </a:pPr>
             <a:r>
-              <a:rPr lang="pt-BR" dirty="0" smtClean="0"/>
-              <a:t>16) Escreva um programa que leia um vetor de 15 posições de inteiros. Em seguida, o programa deve ler um valor inteiro e imprimir o número de vezes que este valor ocorre no vetor</a:t>
-            </a:r>
-            <a:endParaRPr lang="pt-BR" dirty="0"/>
+              <a:rPr lang="pt-BR" dirty="0"/>
+              <a:t>17) Escreva um programa que leia um vetor de 15 posições de inteiros. Em seguida, o programa deve ler um valor inteiro e imprimir o número de vezes que este valor ocorre no vetor</a:t>
+            </a:r>
           </a:p>
         </p:txBody>
       </p:sp>
@@ -3943,10 +3874,9 @@
           <a:lstStyle/>
           <a:p>
             <a:r>
-              <a:rPr lang="pt-BR" dirty="0" smtClean="0"/>
+              <a:rPr lang="pt-BR" dirty="0"/>
               <a:t>EXERCÍCIOS</a:t>
             </a:r>
-            <a:endParaRPr lang="pt-BR" dirty="0"/>
           </a:p>
         </p:txBody>
       </p:sp>
@@ -3969,86 +3899,9 @@
               <a:buNone/>
             </a:pPr>
             <a:r>
-              <a:rPr lang="pt-BR" dirty="0" smtClean="0"/>
+              <a:rPr lang="pt-BR" dirty="0"/>
               <a:t>01) Crie uma algoritmo que faça a conversão cambial do Dólar para o Real, assumindo que o valor do Dólar é US$ = 5,50. Peça para o usuário digitar a quantidade de Reais que serão convertidos. </a:t>
             </a:r>
-            <a:endParaRPr lang="pt-BR" dirty="0"/>
-          </a:p>
-        </p:txBody>
-      </p:sp>
-    </p:spTree>
-  </p:cSld>
-  <p:clrMapOvr>
-    <a:masterClrMapping/>
-  </p:clrMapOvr>
-</p:sld>
-</file>
-
-<file path=ppt/slides/slide20.xml><?xml version="1.0" encoding="utf-8"?>
-<p:sld xmlns:a="http://schemas.openxmlformats.org/drawingml/2006/main" xmlns:r="http://schemas.openxmlformats.org/officeDocument/2006/relationships" xmlns:p="http://schemas.openxmlformats.org/presentationml/2006/main">
-  <p:cSld>
-    <p:spTree>
-      <p:nvGrpSpPr>
-        <p:cNvPr id="1" name=""/>
-        <p:cNvGrpSpPr/>
-        <p:nvPr/>
-      </p:nvGrpSpPr>
-      <p:grpSpPr>
-        <a:xfrm>
-          <a:off x="0" y="0"/>
-          <a:ext cx="0" cy="0"/>
-          <a:chOff x="0" y="0"/>
-          <a:chExt cx="0" cy="0"/>
-        </a:xfrm>
-      </p:grpSpPr>
-      <p:sp>
-        <p:nvSpPr>
-          <p:cNvPr id="2" name="Título 1"/>
-          <p:cNvSpPr>
-            <a:spLocks noGrp="1"/>
-          </p:cNvSpPr>
-          <p:nvPr>
-            <p:ph type="title"/>
-          </p:nvPr>
-        </p:nvSpPr>
-        <p:spPr/>
-        <p:txBody>
-          <a:bodyPr/>
-          <a:lstStyle/>
-          <a:p>
-            <a:r>
-              <a:rPr lang="pt-BR" dirty="0" smtClean="0"/>
-              <a:t>EXERCÍCIOS</a:t>
-            </a:r>
-            <a:endParaRPr lang="pt-BR" dirty="0"/>
-          </a:p>
-        </p:txBody>
-      </p:sp>
-      <p:sp>
-        <p:nvSpPr>
-          <p:cNvPr id="3" name="Espaço Reservado para Conteúdo 2"/>
-          <p:cNvSpPr>
-            <a:spLocks noGrp="1"/>
-          </p:cNvSpPr>
-          <p:nvPr>
-            <p:ph idx="1"/>
-          </p:nvPr>
-        </p:nvSpPr>
-        <p:spPr/>
-        <p:txBody>
-          <a:bodyPr>
-            <a:normAutofit/>
-          </a:bodyPr>
-          <a:lstStyle/>
-          <a:p>
-            <a:pPr>
-              <a:buNone/>
-            </a:pPr>
-            <a:r>
-              <a:rPr lang="pt-BR" dirty="0" smtClean="0"/>
-              <a:t>16) Escreva um programa que leia um vetor de 15 posições de inteiros. Em seguida, o programa deve ler um valor inteiro e imprimir o número de vezes que este valor ocorre no vetor</a:t>
-            </a:r>
-            <a:endParaRPr lang="pt-BR" dirty="0"/>
           </a:p>
         </p:txBody>
       </p:sp>
@@ -4093,10 +3946,9 @@
           <a:lstStyle/>
           <a:p>
             <a:r>
-              <a:rPr lang="pt-BR" dirty="0" smtClean="0"/>
+              <a:rPr lang="pt-BR" dirty="0"/>
               <a:t>EXERCÍCIOS</a:t>
             </a:r>
-            <a:endParaRPr lang="pt-BR" dirty="0"/>
           </a:p>
         </p:txBody>
       </p:sp>
@@ -4119,10 +3971,9 @@
               <a:buNone/>
             </a:pPr>
             <a:r>
-              <a:rPr lang="pt-BR" dirty="0" smtClean="0"/>
+              <a:rPr lang="pt-BR" dirty="0"/>
               <a:t>02) Crie um algoritmo que leia o ano de  nascimento e a idade atual de uma pessoa. Imprimir a idade da pessoa. Se a idade for maior ou igual a 18 leia o nome da pessoa e imprima o nome digitado e uma mensagem informando que sua entrada é permitida. (Ex: Fulano, sua entrada foi permitida.)</a:t>
             </a:r>
-            <a:endParaRPr lang="pt-BR" dirty="0"/>
           </a:p>
         </p:txBody>
       </p:sp>
@@ -4167,10 +4018,9 @@
           <a:lstStyle/>
           <a:p>
             <a:r>
-              <a:rPr lang="pt-BR" dirty="0" smtClean="0"/>
+              <a:rPr lang="pt-BR" dirty="0"/>
               <a:t>EXERCÍCIOS</a:t>
             </a:r>
-            <a:endParaRPr lang="pt-BR" dirty="0"/>
           </a:p>
         </p:txBody>
       </p:sp>
@@ -4193,10 +4043,9 @@
               <a:buNone/>
             </a:pPr>
             <a:r>
-              <a:rPr lang="pt-BR" dirty="0" smtClean="0"/>
+              <a:rPr lang="pt-BR" dirty="0"/>
               <a:t>03)Faça um algoritmo de empréstimo bancário que vai solicitar salário e o valor da prestação. Se prestação for maior que 20% do salário, imprimir : Empréstimo não pode ser concedido. Senão imprimir Empréstimo pode ser concedido.</a:t>
             </a:r>
-            <a:endParaRPr lang="pt-BR" dirty="0"/>
           </a:p>
         </p:txBody>
       </p:sp>
@@ -4241,10 +4090,9 @@
           <a:lstStyle/>
           <a:p>
             <a:r>
-              <a:rPr lang="pt-BR" dirty="0" smtClean="0"/>
+              <a:rPr lang="pt-BR" dirty="0"/>
               <a:t>EXERCÍCIOS</a:t>
             </a:r>
-            <a:endParaRPr lang="pt-BR" dirty="0"/>
           </a:p>
         </p:txBody>
       </p:sp>
@@ -4267,7 +4115,7 @@
               <a:buNone/>
             </a:pPr>
             <a:r>
-              <a:rPr lang="pt-BR" dirty="0" smtClean="0"/>
+              <a:rPr lang="pt-BR" dirty="0"/>
               <a:t>04)  Escreva um algoritmo que leia um número e informe se ele é divisível por 10, por 5 ou por 2 ou se não é divisível por nenhum deles</a:t>
             </a:r>
           </a:p>
@@ -4320,10 +4168,9 @@
           <a:lstStyle/>
           <a:p>
             <a:r>
-              <a:rPr lang="pt-BR" dirty="0" smtClean="0"/>
+              <a:rPr lang="pt-BR" dirty="0"/>
               <a:t>EXERCÍCIOS</a:t>
             </a:r>
-            <a:endParaRPr lang="pt-BR" dirty="0"/>
           </a:p>
         </p:txBody>
       </p:sp>
@@ -4346,10 +4193,9 @@
               <a:buNone/>
             </a:pPr>
             <a:r>
-              <a:rPr lang="pt-BR" dirty="0" smtClean="0"/>
+              <a:rPr lang="pt-BR" dirty="0"/>
               <a:t>05) Construa um algoritmo para determinar se o indivíduo está com um peso favorável. Essa situação é determinada através do IMC (Índice de Massa Corpórea), que é definida como sendo a relação entre o peso (PESO) e o quadrado da Altura (ALTURA) do indivíduo. Ou seja</a:t>
             </a:r>
-            <a:endParaRPr lang="pt-BR" dirty="0"/>
           </a:p>
         </p:txBody>
       </p:sp>
@@ -4394,10 +4240,9 @@
           <a:lstStyle/>
           <a:p>
             <a:r>
-              <a:rPr lang="pt-BR" dirty="0" smtClean="0"/>
+              <a:rPr lang="pt-BR" dirty="0"/>
               <a:t>EXERCÍCIOS</a:t>
             </a:r>
-            <a:endParaRPr lang="pt-BR" dirty="0"/>
           </a:p>
         </p:txBody>
       </p:sp>
@@ -4420,7 +4265,7 @@
               <a:buNone/>
             </a:pPr>
             <a:r>
-              <a:rPr lang="pt-BR" dirty="0" smtClean="0"/>
+              <a:rPr lang="pt-BR" dirty="0"/>
               <a:t>05) IMC abaixo de 20 = abaixo do peso</a:t>
             </a:r>
           </a:p>
@@ -4430,11 +4275,7 @@
             </a:pPr>
             <a:r>
               <a:rPr lang="pt-BR" dirty="0"/>
-              <a:t>	 </a:t>
-            </a:r>
-            <a:r>
-              <a:rPr lang="pt-BR" dirty="0" smtClean="0"/>
-              <a:t>  IMC de 20 até 25 = Peso Normal</a:t>
+              <a:t>	   IMC de 20 até 25 = Peso Normal</a:t>
             </a:r>
           </a:p>
           <a:p>
@@ -4443,11 +4284,7 @@
             </a:pPr>
             <a:r>
               <a:rPr lang="pt-BR" dirty="0"/>
-              <a:t> </a:t>
-            </a:r>
-            <a:r>
-              <a:rPr lang="pt-BR" dirty="0" smtClean="0"/>
-              <a:t>      IMC de 25 até 30 = Sobre Peso</a:t>
+              <a:t>       IMC de 25 até 30 = Sobre Peso</a:t>
             </a:r>
           </a:p>
           <a:p>
@@ -4456,11 +4293,7 @@
             </a:pPr>
             <a:r>
               <a:rPr lang="pt-BR" dirty="0"/>
-              <a:t> </a:t>
-            </a:r>
-            <a:r>
-              <a:rPr lang="pt-BR" dirty="0" smtClean="0"/>
-              <a:t>      IMC de 30 até 40 = Obeso</a:t>
+              <a:t>       IMC de 30 até 40 = Obeso</a:t>
             </a:r>
           </a:p>
           <a:p>
@@ -4469,13 +4302,8 @@
             </a:pPr>
             <a:r>
               <a:rPr lang="pt-BR" dirty="0"/>
-              <a:t> </a:t>
-            </a:r>
-            <a:r>
-              <a:rPr lang="pt-BR" dirty="0" smtClean="0"/>
-              <a:t>      IMC acima de 40 = Obeso Mórbido</a:t>
-            </a:r>
-            <a:endParaRPr lang="pt-BR" dirty="0"/>
+              <a:t>       IMC acima de 40 = Obeso Mórbido</a:t>
+            </a:r>
           </a:p>
         </p:txBody>
       </p:sp>
@@ -4520,10 +4348,9 @@
           <a:lstStyle/>
           <a:p>
             <a:r>
-              <a:rPr lang="pt-BR" dirty="0" smtClean="0"/>
+              <a:rPr lang="pt-BR" dirty="0"/>
               <a:t>EXERCÍCIOS</a:t>
             </a:r>
-            <a:endParaRPr lang="pt-BR" dirty="0"/>
           </a:p>
         </p:txBody>
       </p:sp>
@@ -4546,7 +4373,7 @@
               <a:buNone/>
             </a:pPr>
             <a:r>
-              <a:rPr lang="pt-BR" dirty="0" smtClean="0"/>
+              <a:rPr lang="pt-BR" dirty="0"/>
               <a:t>06) Crie um algoritmo que leia a idade de uma pessoa e informe a sua classe eleitoral: </a:t>
             </a:r>
           </a:p>
@@ -4555,7 +4382,7 @@
               <a:buNone/>
             </a:pPr>
             <a:r>
-              <a:rPr lang="pt-BR" dirty="0" smtClean="0"/>
+              <a:rPr lang="pt-BR" dirty="0"/>
               <a:t>não eleitor (abaixo de 16 anos); </a:t>
             </a:r>
           </a:p>
@@ -4564,7 +4391,7 @@
               <a:buNone/>
             </a:pPr>
             <a:r>
-              <a:rPr lang="pt-BR" dirty="0" smtClean="0"/>
+              <a:rPr lang="pt-BR" dirty="0"/>
               <a:t>eleitor obrigatório (entre a faixa de 18 e menor de 65 anos); </a:t>
             </a:r>
           </a:p>
@@ -4573,10 +4400,9 @@
               <a:buNone/>
             </a:pPr>
             <a:r>
-              <a:rPr lang="pt-BR" dirty="0" smtClean="0"/>
+              <a:rPr lang="pt-BR" dirty="0"/>
               <a:t>eleitor facultativo (de 16 até 18 anos e maior de 65 anos, inclusive).</a:t>
             </a:r>
-            <a:endParaRPr lang="pt-BR" dirty="0"/>
           </a:p>
         </p:txBody>
       </p:sp>
@@ -4621,10 +4447,9 @@
           <a:lstStyle/>
           <a:p>
             <a:r>
-              <a:rPr lang="pt-BR" dirty="0" smtClean="0"/>
+              <a:rPr lang="pt-BR" dirty="0"/>
               <a:t>EXERCÍCIOS</a:t>
             </a:r>
-            <a:endParaRPr lang="pt-BR" dirty="0"/>
           </a:p>
         </p:txBody>
       </p:sp>
@@ -4649,31 +4474,15 @@
               <a:buNone/>
             </a:pPr>
             <a:r>
-              <a:rPr lang="pt-BR" dirty="0" smtClean="0"/>
-              <a:t>07) </a:t>
-            </a:r>
-            <a:r>
-              <a:rPr lang="pt-BR" dirty="0"/>
-              <a:t>O custo ao consumidor de um carro novo, é  a soma do custo de fabrica com o percentual do revendedor e com os custos dos impostos (aplicados ao custo de fabrica).</a:t>
-            </a:r>
-            <a:r>
-              <a:rPr lang="pt-BR" dirty="0" smtClean="0"/>
-              <a:t/>
+              <a:rPr lang="pt-BR" dirty="0"/>
+              <a:t>07) O custo ao consumidor de um carro novo, é  a soma do custo de fabrica com o percentual do revendedor e com os custos dos impostos (aplicados ao custo de fabrica).</a:t>
             </a:r>
             <a:br>
-              <a:rPr lang="pt-BR" dirty="0" smtClean="0"/>
+              <a:rPr lang="pt-BR" dirty="0"/>
             </a:br>
             <a:r>
               <a:rPr lang="pt-BR" dirty="0"/>
-              <a:t>Supondo que a percentagem do revendedor seja de 25% e que os impostos custam 45% do custo de fabrica, faça um algoritmo que leia o custo de fabrica e determine o preço final do automóvel (custo ao consumidor).mostre as informações que </a:t>
-            </a:r>
-            <a:r>
-              <a:rPr lang="pt-BR" dirty="0" smtClean="0"/>
-              <a:t>julgar </a:t>
-            </a:r>
-            <a:r>
-              <a:rPr lang="pt-BR" dirty="0"/>
-              <a:t>necessário.</a:t>
+              <a:t>Supondo que a percentagem do revendedor seja de 25% e que os impostos custam 45% do custo de fabrica, faça um algoritmo que leia o custo de fabrica e determine o preço final do automóvel (custo ao consumidor).mostre as informações que julgar necessário.</a:t>
             </a:r>
           </a:p>
         </p:txBody>
